--- a/Git Training 2024.pptx
+++ b/Git Training 2024.pptx
@@ -2806,7 +2806,7 @@
                 <a:latin typeface="PT Sans" pitchFamily="34" charset="0"/>
                 <a:hlinkClick r:id="rId6"/>
               </a:rPr>
-              <a:t>https://github.com/Niwesh-waiba/BIM_First_Git_Repo</a:t>
+              <a:t>https://github.com/Niwesh-waiba/BIM_First_GIT_Training</a:t>
             </a:r>
             <a:endParaRPr lang="en-US" dirty="0">
               <a:solidFill>
